--- a/327 - Brightly Beams Our Father's Mercy.pptx
+++ b/327 - Brightly Beams Our Father's Mercy.pptx
@@ -243,7 +243,7 @@
           <a:p>
             <a:fld id="{32F7251A-AE54-443C-B8FE-5F636E835EBF}" type="datetimeFigureOut">
               <a:rPr lang="en-US" smtClean="0"/>
-              <a:t>2/18/2018</a:t>
+              <a:t>3/15/2020</a:t>
             </a:fld>
             <a:endParaRPr lang="en-US"/>
           </a:p>
@@ -411,7 +411,7 @@
           <a:p>
             <a:fld id="{32F7251A-AE54-443C-B8FE-5F636E835EBF}" type="datetimeFigureOut">
               <a:rPr lang="en-US" smtClean="0"/>
-              <a:t>2/18/2018</a:t>
+              <a:t>3/15/2020</a:t>
             </a:fld>
             <a:endParaRPr lang="en-US"/>
           </a:p>
@@ -589,7 +589,7 @@
           <a:p>
             <a:fld id="{32F7251A-AE54-443C-B8FE-5F636E835EBF}" type="datetimeFigureOut">
               <a:rPr lang="en-US" smtClean="0"/>
-              <a:t>2/18/2018</a:t>
+              <a:t>3/15/2020</a:t>
             </a:fld>
             <a:endParaRPr lang="en-US"/>
           </a:p>
@@ -757,7 +757,7 @@
           <a:p>
             <a:fld id="{32F7251A-AE54-443C-B8FE-5F636E835EBF}" type="datetimeFigureOut">
               <a:rPr lang="en-US" smtClean="0"/>
-              <a:t>2/18/2018</a:t>
+              <a:t>3/15/2020</a:t>
             </a:fld>
             <a:endParaRPr lang="en-US"/>
           </a:p>
@@ -1002,7 +1002,7 @@
           <a:p>
             <a:fld id="{32F7251A-AE54-443C-B8FE-5F636E835EBF}" type="datetimeFigureOut">
               <a:rPr lang="en-US" smtClean="0"/>
-              <a:t>2/18/2018</a:t>
+              <a:t>3/15/2020</a:t>
             </a:fld>
             <a:endParaRPr lang="en-US"/>
           </a:p>
@@ -1231,7 +1231,7 @@
           <a:p>
             <a:fld id="{32F7251A-AE54-443C-B8FE-5F636E835EBF}" type="datetimeFigureOut">
               <a:rPr lang="en-US" smtClean="0"/>
-              <a:t>2/18/2018</a:t>
+              <a:t>3/15/2020</a:t>
             </a:fld>
             <a:endParaRPr lang="en-US"/>
           </a:p>
@@ -1595,7 +1595,7 @@
           <a:p>
             <a:fld id="{32F7251A-AE54-443C-B8FE-5F636E835EBF}" type="datetimeFigureOut">
               <a:rPr lang="en-US" smtClean="0"/>
-              <a:t>2/18/2018</a:t>
+              <a:t>3/15/2020</a:t>
             </a:fld>
             <a:endParaRPr lang="en-US"/>
           </a:p>
@@ -1712,7 +1712,7 @@
           <a:p>
             <a:fld id="{32F7251A-AE54-443C-B8FE-5F636E835EBF}" type="datetimeFigureOut">
               <a:rPr lang="en-US" smtClean="0"/>
-              <a:t>2/18/2018</a:t>
+              <a:t>3/15/2020</a:t>
             </a:fld>
             <a:endParaRPr lang="en-US"/>
           </a:p>
@@ -1807,7 +1807,7 @@
           <a:p>
             <a:fld id="{32F7251A-AE54-443C-B8FE-5F636E835EBF}" type="datetimeFigureOut">
               <a:rPr lang="en-US" smtClean="0"/>
-              <a:t>2/18/2018</a:t>
+              <a:t>3/15/2020</a:t>
             </a:fld>
             <a:endParaRPr lang="en-US"/>
           </a:p>
@@ -2082,7 +2082,7 @@
           <a:p>
             <a:fld id="{32F7251A-AE54-443C-B8FE-5F636E835EBF}" type="datetimeFigureOut">
               <a:rPr lang="en-US" smtClean="0"/>
-              <a:t>2/18/2018</a:t>
+              <a:t>3/15/2020</a:t>
             </a:fld>
             <a:endParaRPr lang="en-US"/>
           </a:p>
@@ -2334,7 +2334,7 @@
           <a:p>
             <a:fld id="{32F7251A-AE54-443C-B8FE-5F636E835EBF}" type="datetimeFigureOut">
               <a:rPr lang="en-US" smtClean="0"/>
-              <a:t>2/18/2018</a:t>
+              <a:t>3/15/2020</a:t>
             </a:fld>
             <a:endParaRPr lang="en-US"/>
           </a:p>
@@ -2401,7 +2401,9 @@
     <p:bg>
       <p:bgPr>
         <a:solidFill>
-          <a:srgbClr val="333333"/>
+          <a:schemeClr val="bg1">
+            <a:lumMod val="10000"/>
+          </a:schemeClr>
         </a:solidFill>
         <a:effectLst/>
       </p:bgPr>
@@ -2548,7 +2550,7 @@
           <a:p>
             <a:fld id="{32F7251A-AE54-443C-B8FE-5F636E835EBF}" type="datetimeFigureOut">
               <a:rPr lang="en-US" smtClean="0"/>
-              <a:t>2/18/2018</a:t>
+              <a:t>3/15/2020</a:t>
             </a:fld>
             <a:endParaRPr lang="en-US"/>
           </a:p>
@@ -3018,8 +3020,8 @@
         </p:nvSpPr>
         <p:spPr>
           <a:xfrm>
-            <a:off x="0" y="5804209"/>
-            <a:ext cx="12192000" cy="830997"/>
+            <a:off x="0" y="5958097"/>
+            <a:ext cx="12192000" cy="523220"/>
           </a:xfrm>
           <a:prstGeom prst="rect">
             <a:avLst/>
@@ -3030,15 +3032,23 @@
           <a:bodyPr wrap="square" rtlCol="0" anchor="ctr">
             <a:spAutoFit/>
           </a:bodyPr>
-          <a:lstStyle/>
-          <a:p>
-            <a:pPr algn="ctr"/>
-            <a:r>
-              <a:rPr lang="en-US" sz="4800" dirty="0">
+          <a:lstStyle>
+            <a:defPPr>
+              <a:defRPr lang="en-US"/>
+            </a:defPPr>
+            <a:lvl1pPr algn="ctr">
+              <a:defRPr sz="3200" u="sng" spc="50">
                 <a:solidFill>
                   <a:schemeClr val="bg1"/>
                 </a:solidFill>
-              </a:rPr>
+                <a:latin typeface="Assistant SemiBold" panose="00000700000000000000" pitchFamily="2" charset="-79"/>
+                <a:cs typeface="Assistant SemiBold" panose="00000700000000000000" pitchFamily="2" charset="-79"/>
+              </a:defRPr>
+            </a:lvl1pPr>
+          </a:lstStyle>
+          <a:p>
+            <a:r>
+              <a:rPr lang="en-US" dirty="0"/>
               <a:t>“Brightly Beams Our Father’s Mercy”</a:t>
             </a:r>
           </a:p>
@@ -3052,8 +3062,8 @@
         </p:nvSpPr>
         <p:spPr>
           <a:xfrm>
-            <a:off x="0" y="255162"/>
-            <a:ext cx="12192000" cy="5078313"/>
+            <a:off x="0" y="714182"/>
+            <a:ext cx="12192000" cy="3970318"/>
           </a:xfrm>
           <a:prstGeom prst="rect">
             <a:avLst/>
@@ -3068,10 +3078,12 @@
           <a:p>
             <a:pPr algn="ctr"/>
             <a:r>
-              <a:rPr lang="en-US" sz="3600" dirty="0">
+              <a:rPr lang="en-US" sz="2800" spc="50" dirty="0">
                 <a:solidFill>
                   <a:schemeClr val="bg1"/>
                 </a:solidFill>
+                <a:latin typeface="Assistant" panose="00000500000000000000" pitchFamily="2" charset="-79"/>
+                <a:cs typeface="Assistant" panose="00000500000000000000" pitchFamily="2" charset="-79"/>
               </a:rPr>
               <a:t>Brightly beams our Father’s mercy</a:t>
             </a:r>
@@ -3079,10 +3091,12 @@
           <a:p>
             <a:pPr algn="ctr"/>
             <a:r>
-              <a:rPr lang="en-US" sz="3600" dirty="0">
+              <a:rPr lang="en-US" sz="2800" spc="50" dirty="0">
                 <a:solidFill>
                   <a:schemeClr val="bg1"/>
                 </a:solidFill>
+                <a:latin typeface="Assistant" panose="00000500000000000000" pitchFamily="2" charset="-79"/>
+                <a:cs typeface="Assistant" panose="00000500000000000000" pitchFamily="2" charset="-79"/>
               </a:rPr>
               <a:t>From His lighthouse evermore,</a:t>
             </a:r>
@@ -3090,10 +3104,12 @@
           <a:p>
             <a:pPr algn="ctr"/>
             <a:r>
-              <a:rPr lang="en-US" sz="3600" dirty="0">
+              <a:rPr lang="en-US" sz="2800" spc="50" dirty="0">
                 <a:solidFill>
                   <a:schemeClr val="bg1"/>
                 </a:solidFill>
+                <a:latin typeface="Assistant" panose="00000500000000000000" pitchFamily="2" charset="-79"/>
+                <a:cs typeface="Assistant" panose="00000500000000000000" pitchFamily="2" charset="-79"/>
               </a:rPr>
               <a:t>But to us He give the keeping</a:t>
             </a:r>
@@ -3101,29 +3117,35 @@
           <a:p>
             <a:pPr algn="ctr"/>
             <a:r>
-              <a:rPr lang="en-US" sz="3600" dirty="0">
+              <a:rPr lang="en-US" sz="2800" spc="50" dirty="0">
                 <a:solidFill>
                   <a:schemeClr val="bg1"/>
                 </a:solidFill>
+                <a:latin typeface="Assistant" panose="00000500000000000000" pitchFamily="2" charset="-79"/>
+                <a:cs typeface="Assistant" panose="00000500000000000000" pitchFamily="2" charset="-79"/>
               </a:rPr>
               <a:t>Of the lights along the shore.</a:t>
             </a:r>
           </a:p>
           <a:p>
             <a:pPr algn="ctr"/>
-            <a:endParaRPr lang="en-US" sz="3600" dirty="0">
+            <a:endParaRPr lang="en-US" sz="2800" spc="50" dirty="0">
               <a:solidFill>
                 <a:schemeClr val="bg1"/>
               </a:solidFill>
+              <a:latin typeface="Assistant" panose="00000500000000000000" pitchFamily="2" charset="-79"/>
+              <a:cs typeface="Assistant" panose="00000500000000000000" pitchFamily="2" charset="-79"/>
             </a:endParaRPr>
           </a:p>
           <a:p>
             <a:pPr algn="ctr"/>
             <a:r>
-              <a:rPr lang="en-US" sz="3600" dirty="0">
+              <a:rPr lang="en-US" sz="2800" spc="50" dirty="0">
                 <a:solidFill>
                   <a:schemeClr val="bg1"/>
                 </a:solidFill>
+                <a:latin typeface="Assistant" panose="00000500000000000000" pitchFamily="2" charset="-79"/>
+                <a:cs typeface="Assistant" panose="00000500000000000000" pitchFamily="2" charset="-79"/>
               </a:rPr>
               <a:t>Let the lower light be burning!</a:t>
             </a:r>
@@ -3131,10 +3153,12 @@
           <a:p>
             <a:pPr algn="ctr"/>
             <a:r>
-              <a:rPr lang="en-US" sz="3600" dirty="0">
+              <a:rPr lang="en-US" sz="2800" spc="50" dirty="0">
                 <a:solidFill>
                   <a:schemeClr val="bg1"/>
                 </a:solidFill>
+                <a:latin typeface="Assistant" panose="00000500000000000000" pitchFamily="2" charset="-79"/>
+                <a:cs typeface="Assistant" panose="00000500000000000000" pitchFamily="2" charset="-79"/>
               </a:rPr>
               <a:t>Send a gleam across the wave!</a:t>
             </a:r>
@@ -3142,10 +3166,12 @@
           <a:p>
             <a:pPr algn="ctr"/>
             <a:r>
-              <a:rPr lang="en-US" sz="3600" dirty="0">
+              <a:rPr lang="en-US" sz="2800" spc="50" dirty="0">
                 <a:solidFill>
                   <a:schemeClr val="bg1"/>
                 </a:solidFill>
+                <a:latin typeface="Assistant" panose="00000500000000000000" pitchFamily="2" charset="-79"/>
+                <a:cs typeface="Assistant" panose="00000500000000000000" pitchFamily="2" charset="-79"/>
               </a:rPr>
               <a:t>Some poor, fainting, struggling seaman</a:t>
             </a:r>
@@ -3153,10 +3179,12 @@
           <a:p>
             <a:pPr algn="ctr"/>
             <a:r>
-              <a:rPr lang="en-US" sz="3600" dirty="0">
+              <a:rPr lang="en-US" sz="2800" spc="50" dirty="0">
                 <a:solidFill>
                   <a:schemeClr val="bg1"/>
                 </a:solidFill>
+                <a:latin typeface="Assistant" panose="00000500000000000000" pitchFamily="2" charset="-79"/>
+                <a:cs typeface="Assistant" panose="00000500000000000000" pitchFamily="2" charset="-79"/>
               </a:rPr>
               <a:t>You may rescue, you may save.</a:t>
             </a:r>
@@ -3258,8 +3286,8 @@
         </p:nvSpPr>
         <p:spPr>
           <a:xfrm>
-            <a:off x="0" y="5804209"/>
-            <a:ext cx="12192000" cy="830997"/>
+            <a:off x="0" y="5958097"/>
+            <a:ext cx="12192000" cy="523220"/>
           </a:xfrm>
           <a:prstGeom prst="rect">
             <a:avLst/>
@@ -3270,15 +3298,23 @@
           <a:bodyPr wrap="square" rtlCol="0" anchor="ctr">
             <a:spAutoFit/>
           </a:bodyPr>
-          <a:lstStyle/>
-          <a:p>
-            <a:pPr algn="ctr"/>
-            <a:r>
-              <a:rPr lang="en-US" sz="4800" dirty="0">
+          <a:lstStyle>
+            <a:defPPr>
+              <a:defRPr lang="en-US"/>
+            </a:defPPr>
+            <a:lvl1pPr algn="ctr">
+              <a:defRPr sz="3200" u="sng" spc="50">
                 <a:solidFill>
                   <a:schemeClr val="bg1"/>
                 </a:solidFill>
-              </a:rPr>
+                <a:latin typeface="Assistant SemiBold" panose="00000700000000000000" pitchFamily="2" charset="-79"/>
+                <a:cs typeface="Assistant SemiBold" panose="00000700000000000000" pitchFamily="2" charset="-79"/>
+              </a:defRPr>
+            </a:lvl1pPr>
+          </a:lstStyle>
+          <a:p>
+            <a:r>
+              <a:rPr lang="en-US" dirty="0"/>
               <a:t>“Brightly Beams Our Father’s Mercy”</a:t>
             </a:r>
           </a:p>
@@ -3292,8 +3328,8 @@
         </p:nvSpPr>
         <p:spPr>
           <a:xfrm>
-            <a:off x="0" y="255162"/>
-            <a:ext cx="12192000" cy="5078313"/>
+            <a:off x="0" y="714182"/>
+            <a:ext cx="12192000" cy="3970318"/>
           </a:xfrm>
           <a:prstGeom prst="rect">
             <a:avLst/>
@@ -3308,10 +3344,12 @@
           <a:p>
             <a:pPr algn="ctr"/>
             <a:r>
-              <a:rPr lang="en-US" sz="3600" dirty="0">
+              <a:rPr lang="en-US" sz="2800" spc="50" dirty="0">
                 <a:solidFill>
                   <a:schemeClr val="bg1"/>
                 </a:solidFill>
+                <a:latin typeface="Assistant" panose="00000500000000000000" pitchFamily="2" charset="-79"/>
+                <a:cs typeface="Assistant" panose="00000500000000000000" pitchFamily="2" charset="-79"/>
               </a:rPr>
               <a:t>Dark the night of sin has settled,</a:t>
             </a:r>
@@ -3319,10 +3357,12 @@
           <a:p>
             <a:pPr algn="ctr"/>
             <a:r>
-              <a:rPr lang="en-US" sz="3600" dirty="0">
+              <a:rPr lang="en-US" sz="2800" spc="50" dirty="0">
                 <a:solidFill>
                   <a:schemeClr val="bg1"/>
                 </a:solidFill>
+                <a:latin typeface="Assistant" panose="00000500000000000000" pitchFamily="2" charset="-79"/>
+                <a:cs typeface="Assistant" panose="00000500000000000000" pitchFamily="2" charset="-79"/>
               </a:rPr>
               <a:t>Loud the angry billows roar;</a:t>
             </a:r>
@@ -3330,10 +3370,12 @@
           <a:p>
             <a:pPr algn="ctr"/>
             <a:r>
-              <a:rPr lang="en-US" sz="3600" dirty="0">
+              <a:rPr lang="en-US" sz="2800" spc="50" dirty="0">
                 <a:solidFill>
                   <a:schemeClr val="bg1"/>
                 </a:solidFill>
+                <a:latin typeface="Assistant" panose="00000500000000000000" pitchFamily="2" charset="-79"/>
+                <a:cs typeface="Assistant" panose="00000500000000000000" pitchFamily="2" charset="-79"/>
               </a:rPr>
               <a:t>Eager eyes are watching, longing, </a:t>
             </a:r>
@@ -3341,29 +3383,35 @@
           <a:p>
             <a:pPr algn="ctr"/>
             <a:r>
-              <a:rPr lang="en-US" sz="3600" dirty="0">
+              <a:rPr lang="en-US" sz="2800" spc="50" dirty="0">
                 <a:solidFill>
                   <a:schemeClr val="bg1"/>
                 </a:solidFill>
+                <a:latin typeface="Assistant" panose="00000500000000000000" pitchFamily="2" charset="-79"/>
+                <a:cs typeface="Assistant" panose="00000500000000000000" pitchFamily="2" charset="-79"/>
               </a:rPr>
               <a:t>For the lights along the shore.</a:t>
             </a:r>
           </a:p>
           <a:p>
             <a:pPr algn="ctr"/>
-            <a:endParaRPr lang="en-US" sz="3600" dirty="0">
+            <a:endParaRPr lang="en-US" sz="2800" spc="50" dirty="0">
               <a:solidFill>
                 <a:schemeClr val="bg1"/>
               </a:solidFill>
+              <a:latin typeface="Assistant" panose="00000500000000000000" pitchFamily="2" charset="-79"/>
+              <a:cs typeface="Assistant" panose="00000500000000000000" pitchFamily="2" charset="-79"/>
             </a:endParaRPr>
           </a:p>
           <a:p>
             <a:pPr algn="ctr"/>
             <a:r>
-              <a:rPr lang="en-US" sz="3600" dirty="0">
+              <a:rPr lang="en-US" sz="2800" spc="50" dirty="0">
                 <a:solidFill>
                   <a:schemeClr val="bg1"/>
                 </a:solidFill>
+                <a:latin typeface="Assistant" panose="00000500000000000000" pitchFamily="2" charset="-79"/>
+                <a:cs typeface="Assistant" panose="00000500000000000000" pitchFamily="2" charset="-79"/>
               </a:rPr>
               <a:t>Let the lower light be burning!</a:t>
             </a:r>
@@ -3371,10 +3419,12 @@
           <a:p>
             <a:pPr algn="ctr"/>
             <a:r>
-              <a:rPr lang="en-US" sz="3600" dirty="0">
+              <a:rPr lang="en-US" sz="2800" spc="50" dirty="0">
                 <a:solidFill>
                   <a:schemeClr val="bg1"/>
                 </a:solidFill>
+                <a:latin typeface="Assistant" panose="00000500000000000000" pitchFamily="2" charset="-79"/>
+                <a:cs typeface="Assistant" panose="00000500000000000000" pitchFamily="2" charset="-79"/>
               </a:rPr>
               <a:t>Send a gleam across the wave!</a:t>
             </a:r>
@@ -3382,10 +3432,12 @@
           <a:p>
             <a:pPr algn="ctr"/>
             <a:r>
-              <a:rPr lang="en-US" sz="3600" dirty="0">
+              <a:rPr lang="en-US" sz="2800" spc="50" dirty="0">
                 <a:solidFill>
                   <a:schemeClr val="bg1"/>
                 </a:solidFill>
+                <a:latin typeface="Assistant" panose="00000500000000000000" pitchFamily="2" charset="-79"/>
+                <a:cs typeface="Assistant" panose="00000500000000000000" pitchFamily="2" charset="-79"/>
               </a:rPr>
               <a:t>Some poor, fainting, struggling seaman</a:t>
             </a:r>
@@ -3393,10 +3445,12 @@
           <a:p>
             <a:pPr algn="ctr"/>
             <a:r>
-              <a:rPr lang="en-US" sz="3600" dirty="0">
+              <a:rPr lang="en-US" sz="2800" spc="50" dirty="0">
                 <a:solidFill>
                   <a:schemeClr val="bg1"/>
                 </a:solidFill>
+                <a:latin typeface="Assistant" panose="00000500000000000000" pitchFamily="2" charset="-79"/>
+                <a:cs typeface="Assistant" panose="00000500000000000000" pitchFamily="2" charset="-79"/>
               </a:rPr>
               <a:t>You may rescue, you may save.</a:t>
             </a:r>
@@ -3498,8 +3552,8 @@
         </p:nvSpPr>
         <p:spPr>
           <a:xfrm>
-            <a:off x="0" y="5804209"/>
-            <a:ext cx="12192000" cy="830997"/>
+            <a:off x="0" y="5958097"/>
+            <a:ext cx="12192000" cy="523220"/>
           </a:xfrm>
           <a:prstGeom prst="rect">
             <a:avLst/>
@@ -3510,15 +3564,23 @@
           <a:bodyPr wrap="square" rtlCol="0" anchor="ctr">
             <a:spAutoFit/>
           </a:bodyPr>
-          <a:lstStyle/>
-          <a:p>
-            <a:pPr algn="ctr"/>
-            <a:r>
-              <a:rPr lang="en-US" sz="4800" dirty="0">
+          <a:lstStyle>
+            <a:defPPr>
+              <a:defRPr lang="en-US"/>
+            </a:defPPr>
+            <a:lvl1pPr algn="ctr">
+              <a:defRPr sz="3200" u="sng" spc="50">
                 <a:solidFill>
                   <a:schemeClr val="bg1"/>
                 </a:solidFill>
-              </a:rPr>
+                <a:latin typeface="Assistant SemiBold" panose="00000700000000000000" pitchFamily="2" charset="-79"/>
+                <a:cs typeface="Assistant SemiBold" panose="00000700000000000000" pitchFamily="2" charset="-79"/>
+              </a:defRPr>
+            </a:lvl1pPr>
+          </a:lstStyle>
+          <a:p>
+            <a:r>
+              <a:rPr lang="en-US" dirty="0"/>
               <a:t>“Brightly Beams Our Father’s Mercy”</a:t>
             </a:r>
           </a:p>
@@ -3532,8 +3594,8 @@
         </p:nvSpPr>
         <p:spPr>
           <a:xfrm>
-            <a:off x="0" y="255162"/>
-            <a:ext cx="12192000" cy="5078313"/>
+            <a:off x="0" y="714182"/>
+            <a:ext cx="12192000" cy="3970318"/>
           </a:xfrm>
           <a:prstGeom prst="rect">
             <a:avLst/>
@@ -3548,10 +3610,12 @@
           <a:p>
             <a:pPr algn="ctr"/>
             <a:r>
-              <a:rPr lang="en-US" sz="3600" dirty="0">
+              <a:rPr lang="en-US" sz="2800" spc="50" dirty="0">
                 <a:solidFill>
                   <a:schemeClr val="bg1"/>
                 </a:solidFill>
+                <a:latin typeface="Assistant" panose="00000500000000000000" pitchFamily="2" charset="-79"/>
+                <a:cs typeface="Assistant" panose="00000500000000000000" pitchFamily="2" charset="-79"/>
               </a:rPr>
               <a:t>Trim your feeble lamp, my brother;</a:t>
             </a:r>
@@ -3559,10 +3623,12 @@
           <a:p>
             <a:pPr algn="ctr"/>
             <a:r>
-              <a:rPr lang="en-US" sz="3600" dirty="0">
+              <a:rPr lang="en-US" sz="2800" spc="50" dirty="0">
                 <a:solidFill>
                   <a:schemeClr val="bg1"/>
                 </a:solidFill>
+                <a:latin typeface="Assistant" panose="00000500000000000000" pitchFamily="2" charset="-79"/>
+                <a:cs typeface="Assistant" panose="00000500000000000000" pitchFamily="2" charset="-79"/>
               </a:rPr>
               <a:t>Some poor sailor, tempest-tossed,</a:t>
             </a:r>
@@ -3570,10 +3636,12 @@
           <a:p>
             <a:pPr algn="ctr"/>
             <a:r>
-              <a:rPr lang="en-US" sz="3600" dirty="0">
+              <a:rPr lang="en-US" sz="2800" spc="50" dirty="0">
                 <a:solidFill>
                   <a:schemeClr val="bg1"/>
                 </a:solidFill>
+                <a:latin typeface="Assistant" panose="00000500000000000000" pitchFamily="2" charset="-79"/>
+                <a:cs typeface="Assistant" panose="00000500000000000000" pitchFamily="2" charset="-79"/>
               </a:rPr>
               <a:t>Trying now to make the harbor,</a:t>
             </a:r>
@@ -3581,75 +3649,74 @@
           <a:p>
             <a:pPr algn="ctr"/>
             <a:r>
-              <a:rPr lang="en-US" sz="3600" dirty="0">
+              <a:rPr lang="en-US" sz="2800" spc="50" dirty="0">
                 <a:solidFill>
                   <a:schemeClr val="bg1"/>
                 </a:solidFill>
+                <a:latin typeface="Assistant" panose="00000500000000000000" pitchFamily="2" charset="-79"/>
+                <a:cs typeface="Assistant" panose="00000500000000000000" pitchFamily="2" charset="-79"/>
               </a:rPr>
-              <a:t>In </a:t>
-            </a:r>
-            <a:r>
-              <a:rPr lang="en-US" sz="3600">
+              <a:t>In the darkness may be lost.</a:t>
+            </a:r>
+          </a:p>
+          <a:p>
+            <a:pPr algn="ctr"/>
+            <a:endParaRPr lang="en-US" sz="2800" spc="50" dirty="0">
+              <a:solidFill>
+                <a:schemeClr val="bg1"/>
+              </a:solidFill>
+              <a:latin typeface="Assistant" panose="00000500000000000000" pitchFamily="2" charset="-79"/>
+              <a:cs typeface="Assistant" panose="00000500000000000000" pitchFamily="2" charset="-79"/>
+            </a:endParaRPr>
+          </a:p>
+          <a:p>
+            <a:pPr algn="ctr"/>
+            <a:r>
+              <a:rPr lang="en-US" sz="2800" spc="50" dirty="0">
                 <a:solidFill>
                   <a:schemeClr val="bg1"/>
                 </a:solidFill>
+                <a:latin typeface="Assistant" panose="00000500000000000000" pitchFamily="2" charset="-79"/>
+                <a:cs typeface="Assistant" panose="00000500000000000000" pitchFamily="2" charset="-79"/>
               </a:rPr>
-              <a:t>the darkness may be lost.</a:t>
-            </a:r>
-            <a:endParaRPr lang="en-US" sz="3600" dirty="0">
-              <a:solidFill>
-                <a:schemeClr val="bg1"/>
-              </a:solidFill>
-            </a:endParaRPr>
+              <a:t>Let the lower light be burning!</a:t>
+            </a:r>
           </a:p>
           <a:p>
             <a:pPr algn="ctr"/>
-            <a:endParaRPr lang="en-US" sz="3600" dirty="0">
-              <a:solidFill>
-                <a:schemeClr val="bg1"/>
-              </a:solidFill>
-            </a:endParaRPr>
-          </a:p>
-          <a:p>
-            <a:pPr algn="ctr"/>
-            <a:r>
-              <a:rPr lang="en-US" sz="3600" dirty="0">
+            <a:r>
+              <a:rPr lang="en-US" sz="2800" spc="50" dirty="0">
                 <a:solidFill>
                   <a:schemeClr val="bg1"/>
                 </a:solidFill>
+                <a:latin typeface="Assistant" panose="00000500000000000000" pitchFamily="2" charset="-79"/>
+                <a:cs typeface="Assistant" panose="00000500000000000000" pitchFamily="2" charset="-79"/>
               </a:rPr>
-              <a:t>Let the lower light be burning!</a:t>
+              <a:t>Send a gleam across the wave!</a:t>
             </a:r>
           </a:p>
           <a:p>
             <a:pPr algn="ctr"/>
             <a:r>
-              <a:rPr lang="en-US" sz="3600" dirty="0">
+              <a:rPr lang="en-US" sz="2800" spc="50" dirty="0">
                 <a:solidFill>
                   <a:schemeClr val="bg1"/>
                 </a:solidFill>
+                <a:latin typeface="Assistant" panose="00000500000000000000" pitchFamily="2" charset="-79"/>
+                <a:cs typeface="Assistant" panose="00000500000000000000" pitchFamily="2" charset="-79"/>
               </a:rPr>
-              <a:t>Send a gleam across the wave!</a:t>
+              <a:t>Some poor, fainting, struggling seaman</a:t>
             </a:r>
           </a:p>
           <a:p>
             <a:pPr algn="ctr"/>
             <a:r>
-              <a:rPr lang="en-US" sz="3600" dirty="0">
+              <a:rPr lang="en-US" sz="2800" spc="50" dirty="0">
                 <a:solidFill>
                   <a:schemeClr val="bg1"/>
                 </a:solidFill>
-              </a:rPr>
-              <a:t>Some poor, fainting, struggling seaman</a:t>
-            </a:r>
-          </a:p>
-          <a:p>
-            <a:pPr algn="ctr"/>
-            <a:r>
-              <a:rPr lang="en-US" sz="3600" dirty="0">
-                <a:solidFill>
-                  <a:schemeClr val="bg1"/>
-                </a:solidFill>
+                <a:latin typeface="Assistant" panose="00000500000000000000" pitchFamily="2" charset="-79"/>
+                <a:cs typeface="Assistant" panose="00000500000000000000" pitchFamily="2" charset="-79"/>
               </a:rPr>
               <a:t>You may rescue, you may save.</a:t>
             </a:r>
